--- a/images/Python Project.pptx
+++ b/images/Python Project.pptx
@@ -22,7 +22,7 @@
   <p:notesSz cx="6858000" cy="9144000"/>
   <p:defaultTextStyle>
     <a:defPPr algn="r" rtl="1">
-      <a:defRPr lang="he-il"/>
+      <a:defRPr lang="he-IL"/>
     </a:defPPr>
     <a:lvl1pPr marL="0" algn="r" defTabSz="914400" rtl="1" eaLnBrk="1" latinLnBrk="0" hangingPunct="1">
       <a:defRPr sz="1800" kern="1200">
@@ -1214,6 +1214,14 @@
         </dgm:presLayoutVars>
       </dgm:prSet>
       <dgm:spPr/>
+      <dgm:t>
+        <a:bodyPr/>
+        <a:lstStyle/>
+        <a:p>
+          <a:pPr rtl="1"/>
+          <a:endParaRPr lang="he-IL"/>
+        </a:p>
+      </dgm:t>
     </dgm:pt>
     <dgm:pt modelId="{DE9CE479-E4AE-4283-AEF1-10C1535B4324}" type="pres">
       <dgm:prSet presAssocID="{40FC4FFE-8987-4A26-B7F4-8A516F18ADAE}" presName="compNode" presStyleCnt="0"/>
@@ -1233,7 +1241,7 @@
                 <a14:useLocalDpi xmlns:a14="http://schemas.microsoft.com/office/drawing/2010/main" val="0"/>
               </a:ext>
               <a:ext uri="{96DAC541-7B7A-43D3-8B79-37D633B846F1}">
-                <asvg:svgBlip xmlns:asvg="http://schemas.microsoft.com/office/drawing/2016/SVG/main" r:embed="rId2"/>
+                <asvg:svgBlip xmlns:asvg="http://schemas.microsoft.com/office/drawing/2016/SVG/main" xmlns="" r:embed="rId2"/>
               </a:ext>
             </a:extLst>
           </a:blip>
@@ -1264,6 +1272,14 @@
         </dgm:presLayoutVars>
       </dgm:prSet>
       <dgm:spPr/>
+      <dgm:t>
+        <a:bodyPr/>
+        <a:lstStyle/>
+        <a:p>
+          <a:pPr rtl="1"/>
+          <a:endParaRPr lang="he-IL"/>
+        </a:p>
+      </dgm:t>
     </dgm:pt>
     <dgm:pt modelId="{FD1EED9C-83D3-41AD-A09B-D3B36354168F}" type="pres">
       <dgm:prSet presAssocID="{5B62599A-5C9B-48E7-896E-EA782AC60C8B}" presName="sibTrans" presStyleCnt="0"/>
@@ -1287,7 +1303,7 @@
                 <a14:useLocalDpi xmlns:a14="http://schemas.microsoft.com/office/drawing/2010/main" val="0"/>
               </a:ext>
               <a:ext uri="{96DAC541-7B7A-43D3-8B79-37D633B846F1}">
-                <asvg:svgBlip xmlns:asvg="http://schemas.microsoft.com/office/drawing/2016/SVG/main" r:embed="rId4"/>
+                <asvg:svgBlip xmlns:asvg="http://schemas.microsoft.com/office/drawing/2016/SVG/main" xmlns="" r:embed="rId4"/>
               </a:ext>
             </a:extLst>
           </a:blip>
@@ -1318,6 +1334,14 @@
         </dgm:presLayoutVars>
       </dgm:prSet>
       <dgm:spPr/>
+      <dgm:t>
+        <a:bodyPr/>
+        <a:lstStyle/>
+        <a:p>
+          <a:pPr rtl="1"/>
+          <a:endParaRPr lang="he-IL"/>
+        </a:p>
+      </dgm:t>
     </dgm:pt>
     <dgm:pt modelId="{5A266296-0042-402F-92EF-D59AB148E92E}" type="pres">
       <dgm:prSet presAssocID="{9646853A-8964-4519-A5B1-0B7D18B2983D}" presName="sibTrans" presStyleCnt="0"/>
@@ -1341,7 +1365,7 @@
                 <a14:useLocalDpi xmlns:a14="http://schemas.microsoft.com/office/drawing/2010/main" val="0"/>
               </a:ext>
               <a:ext uri="{96DAC541-7B7A-43D3-8B79-37D633B846F1}">
-                <asvg:svgBlip xmlns:asvg="http://schemas.microsoft.com/office/drawing/2016/SVG/main" r:embed="rId6"/>
+                <asvg:svgBlip xmlns:asvg="http://schemas.microsoft.com/office/drawing/2016/SVG/main" xmlns="" r:embed="rId6"/>
               </a:ext>
             </a:extLst>
           </a:blip>
@@ -1372,15 +1396,23 @@
         </dgm:presLayoutVars>
       </dgm:prSet>
       <dgm:spPr/>
+      <dgm:t>
+        <a:bodyPr/>
+        <a:lstStyle/>
+        <a:p>
+          <a:pPr rtl="1"/>
+          <a:endParaRPr lang="he-IL"/>
+        </a:p>
+      </dgm:t>
     </dgm:pt>
   </dgm:ptLst>
   <dgm:cxnLst>
+    <dgm:cxn modelId="{676D3A6A-6EA7-4483-BB12-0BD4A7D7AF9D}" type="presOf" srcId="{01A66772-F185-4D58-B8BB-E9370D7A7A2B}" destId="{50B3CE7C-E10B-4E23-BD93-03664997C932}" srcOrd="0" destOrd="0" presId="urn:microsoft.com/office/officeart/2018/5/layout/IconCircleLabelList"/>
+    <dgm:cxn modelId="{7A710F69-5154-4855-ACF5-BC7C1BF85A80}" type="presOf" srcId="{49225C73-1633-42F1-AB3B-7CB183E5F8B8}" destId="{7E6FE37A-5DB0-4899-9FCB-0CE39BC185F8}" srcOrd="0" destOrd="0" presId="urn:microsoft.com/office/officeart/2018/5/layout/IconCircleLabelList"/>
     <dgm:cxn modelId="{A9154303-8225-4248-91DC-1B0156A35F07}" srcId="{01A66772-F185-4D58-B8BB-E9370D7A7A2B}" destId="{49225C73-1633-42F1-AB3B-7CB183E5F8B8}" srcOrd="1" destOrd="0" parTransId="{1A0E2090-1D4F-438A-8766-B6030CE01ADD}" sibTransId="{9646853A-8964-4519-A5B1-0B7D18B2983D}"/>
-    <dgm:cxn modelId="{7A710F69-5154-4855-ACF5-BC7C1BF85A80}" type="presOf" srcId="{49225C73-1633-42F1-AB3B-7CB183E5F8B8}" destId="{7E6FE37A-5DB0-4899-9FCB-0CE39BC185F8}" srcOrd="0" destOrd="0" presId="urn:microsoft.com/office/officeart/2018/5/layout/IconCircleLabelList"/>
+    <dgm:cxn modelId="{C4CCE57E-E871-46D6-BAD5-880252C95D22}" srcId="{01A66772-F185-4D58-B8BB-E9370D7A7A2B}" destId="{1C383F32-22E8-4F62-A3E0-BDC3D5F48992}" srcOrd="2" destOrd="0" parTransId="{A7920A2F-3244-4159-AF04-6A1D38B7B317}" sibTransId="{8500F72A-2C6D-4FDF-9C1D-CA691380EB0B}"/>
+    <dgm:cxn modelId="{1496FC70-DB8B-48D4-98DE-DD2856E389EE}" type="presOf" srcId="{1C383F32-22E8-4F62-A3E0-BDC3D5F48992}" destId="{1AEDC777-00B3-41D7-9AE1-23D741E941C3}" srcOrd="0" destOrd="0" presId="urn:microsoft.com/office/officeart/2018/5/layout/IconCircleLabelList"/>
     <dgm:cxn modelId="{C7AD8469-3C68-4AF9-AB82-79B0043AA120}" srcId="{01A66772-F185-4D58-B8BB-E9370D7A7A2B}" destId="{40FC4FFE-8987-4A26-B7F4-8A516F18ADAE}" srcOrd="0" destOrd="0" parTransId="{CAD7EF86-FB23-41F6-BF42-040B36DEFDB1}" sibTransId="{5B62599A-5C9B-48E7-896E-EA782AC60C8B}"/>
-    <dgm:cxn modelId="{676D3A6A-6EA7-4483-BB12-0BD4A7D7AF9D}" type="presOf" srcId="{01A66772-F185-4D58-B8BB-E9370D7A7A2B}" destId="{50B3CE7C-E10B-4E23-BD93-03664997C932}" srcOrd="0" destOrd="0" presId="urn:microsoft.com/office/officeart/2018/5/layout/IconCircleLabelList"/>
-    <dgm:cxn modelId="{1496FC70-DB8B-48D4-98DE-DD2856E389EE}" type="presOf" srcId="{1C383F32-22E8-4F62-A3E0-BDC3D5F48992}" destId="{1AEDC777-00B3-41D7-9AE1-23D741E941C3}" srcOrd="0" destOrd="0" presId="urn:microsoft.com/office/officeart/2018/5/layout/IconCircleLabelList"/>
-    <dgm:cxn modelId="{C4CCE57E-E871-46D6-BAD5-880252C95D22}" srcId="{01A66772-F185-4D58-B8BB-E9370D7A7A2B}" destId="{1C383F32-22E8-4F62-A3E0-BDC3D5F48992}" srcOrd="2" destOrd="0" parTransId="{A7920A2F-3244-4159-AF04-6A1D38B7B317}" sibTransId="{8500F72A-2C6D-4FDF-9C1D-CA691380EB0B}"/>
     <dgm:cxn modelId="{355227E3-55E0-4343-BC8D-FC0EB1694F48}" type="presOf" srcId="{40FC4FFE-8987-4A26-B7F4-8A516F18ADAE}" destId="{127117FB-F8A7-4A20-A8A7-EC686DDC76D0}" srcOrd="0" destOrd="0" presId="urn:microsoft.com/office/officeart/2018/5/layout/IconCircleLabelList"/>
     <dgm:cxn modelId="{555498CB-3ED1-404E-A25F-EB243EFC5FB1}" type="presParOf" srcId="{50B3CE7C-E10B-4E23-BD93-03664997C932}" destId="{DE9CE479-E4AE-4283-AEF1-10C1535B4324}" srcOrd="0" destOrd="0" presId="urn:microsoft.com/office/officeart/2018/5/layout/IconCircleLabelList"/>
     <dgm:cxn modelId="{11F12D49-CD08-4D50-BD13-3ECBC3A476A4}" type="presParOf" srcId="{DE9CE479-E4AE-4283-AEF1-10C1535B4324}" destId="{B59FCF02-CAD2-4D6F-9542-AD86711168CA}" srcOrd="0" destOrd="0" presId="urn:microsoft.com/office/officeart/2018/5/layout/IconCircleLabelList"/>
@@ -1418,468 +1450,6 @@
       <dsp:cNvGrpSpPr/>
     </dsp:nvGrpSpPr>
     <dsp:grpSpPr/>
-    <dsp:sp modelId="{B59FCF02-CAD2-4D6F-9542-AD86711168CA}">
-      <dsp:nvSpPr>
-        <dsp:cNvPr id="0" name=""/>
-        <dsp:cNvSpPr/>
-      </dsp:nvSpPr>
-      <dsp:spPr>
-        <a:xfrm>
-          <a:off x="7622887" y="310305"/>
-          <a:ext cx="1818562" cy="1818562"/>
-        </a:xfrm>
-        <a:prstGeom prst="ellipse">
-          <a:avLst/>
-        </a:prstGeom>
-        <a:solidFill>
-          <a:schemeClr val="accent2">
-            <a:hueOff val="0"/>
-            <a:satOff val="0"/>
-            <a:lumOff val="0"/>
-            <a:alphaOff val="0"/>
-          </a:schemeClr>
-        </a:solidFill>
-        <a:ln>
-          <a:noFill/>
-        </a:ln>
-        <a:effectLst/>
-      </dsp:spPr>
-      <dsp:style>
-        <a:lnRef idx="0">
-          <a:scrgbClr r="0" g="0" b="0"/>
-        </a:lnRef>
-        <a:fillRef idx="1">
-          <a:scrgbClr r="0" g="0" b="0"/>
-        </a:fillRef>
-        <a:effectRef idx="0">
-          <a:scrgbClr r="0" g="0" b="0"/>
-        </a:effectRef>
-        <a:fontRef idx="minor"/>
-      </dsp:style>
-    </dsp:sp>
-    <dsp:sp modelId="{7C175B98-93F4-4D7C-BB95-1514AB879CD5}">
-      <dsp:nvSpPr>
-        <dsp:cNvPr id="0" name=""/>
-        <dsp:cNvSpPr/>
-      </dsp:nvSpPr>
-      <dsp:spPr>
-        <a:xfrm>
-          <a:off x="8010450" y="697868"/>
-          <a:ext cx="1043437" cy="1043437"/>
-        </a:xfrm>
-        <a:prstGeom prst="rect">
-          <a:avLst/>
-        </a:prstGeom>
-        <a:blipFill>
-          <a:blip xmlns:r="http://schemas.openxmlformats.org/officeDocument/2006/relationships" r:embed="rId1" cstate="hqprint">
-            <a:extLst>
-              <a:ext uri="{28A0092B-C50C-407E-A947-70E740481C1C}">
-                <a14:useLocalDpi xmlns:a14="http://schemas.microsoft.com/office/drawing/2010/main" val="0"/>
-              </a:ext>
-              <a:ext uri="{96DAC541-7B7A-43D3-8B79-37D633B846F1}">
-                <asvg:svgBlip xmlns:asvg="http://schemas.microsoft.com/office/drawing/2016/SVG/main" r:embed="rId2"/>
-              </a:ext>
-            </a:extLst>
-          </a:blip>
-          <a:srcRect/>
-          <a:stretch>
-            <a:fillRect/>
-          </a:stretch>
-        </a:blipFill>
-        <a:ln w="12700" cap="flat" cmpd="sng" algn="ctr">
-          <a:noFill/>
-          <a:prstDash val="solid"/>
-        </a:ln>
-        <a:effectLst/>
-      </dsp:spPr>
-      <dsp:style>
-        <a:lnRef idx="2">
-          <a:scrgbClr r="0" g="0" b="0"/>
-        </a:lnRef>
-        <a:fillRef idx="1">
-          <a:scrgbClr r="0" g="0" b="0"/>
-        </a:fillRef>
-        <a:effectRef idx="0">
-          <a:scrgbClr r="0" g="0" b="0"/>
-        </a:effectRef>
-        <a:fontRef idx="minor">
-          <a:schemeClr val="lt1"/>
-        </a:fontRef>
-      </dsp:style>
-    </dsp:sp>
-    <dsp:sp modelId="{127117FB-F8A7-4A20-A8A7-EC686DDC76D0}">
-      <dsp:nvSpPr>
-        <dsp:cNvPr id="0" name=""/>
-        <dsp:cNvSpPr/>
-      </dsp:nvSpPr>
-      <dsp:spPr>
-        <a:xfrm>
-          <a:off x="7041543" y="2695306"/>
-          <a:ext cx="2981250" cy="720000"/>
-        </a:xfrm>
-        <a:prstGeom prst="rect">
-          <a:avLst/>
-        </a:prstGeom>
-        <a:noFill/>
-        <a:ln>
-          <a:noFill/>
-        </a:ln>
-        <a:effectLst/>
-      </dsp:spPr>
-      <dsp:style>
-        <a:lnRef idx="0">
-          <a:scrgbClr r="0" g="0" b="0"/>
-        </a:lnRef>
-        <a:fillRef idx="0">
-          <a:scrgbClr r="0" g="0" b="0"/>
-        </a:fillRef>
-        <a:effectRef idx="0">
-          <a:scrgbClr r="0" g="0" b="0"/>
-        </a:effectRef>
-        <a:fontRef idx="minor"/>
-      </dsp:style>
-      <dsp:txBody>
-        <a:bodyPr spcFirstLastPara="0" vert="horz" wrap="square" lIns="0" tIns="0" rIns="0" bIns="0" numCol="1" spcCol="1270" rtlCol="1" anchor="t" anchorCtr="0">
-          <a:noAutofit/>
-        </a:bodyPr>
-        <a:lstStyle/>
-        <a:p>
-          <a:pPr marL="0" lvl="0" indent="0" algn="ctr" defTabSz="666750" rtl="1">
-            <a:lnSpc>
-              <a:spcPct val="100000"/>
-            </a:lnSpc>
-            <a:spcBef>
-              <a:spcPct val="0"/>
-            </a:spcBef>
-            <a:spcAft>
-              <a:spcPct val="35000"/>
-            </a:spcAft>
-            <a:buNone/>
-            <a:defRPr cap="all"/>
-          </a:pPr>
-          <a:r>
-            <a:rPr lang="he" sz="1500" kern="1200" dirty="0">
-              <a:latin typeface="Tahoma" panose="020B0604030504040204" pitchFamily="34" charset="0"/>
-              <a:ea typeface="Tahoma" panose="020B0604030504040204" pitchFamily="34" charset="0"/>
-              <a:cs typeface="Tahoma" panose="020B0604030504040204" pitchFamily="34" charset="0"/>
-            </a:rPr>
-            <a:t>Lorem ipsum dolor sit amet, consectetuer adipiscing elit. </a:t>
-          </a:r>
-        </a:p>
-      </dsp:txBody>
-      <dsp:txXfrm>
-        <a:off x="7041543" y="2695306"/>
-        <a:ext cx="2981250" cy="720000"/>
-      </dsp:txXfrm>
-    </dsp:sp>
-    <dsp:sp modelId="{BCD8CDD9-0C56-4401-ADB1-8B48DAB2C96F}">
-      <dsp:nvSpPr>
-        <dsp:cNvPr id="0" name=""/>
-        <dsp:cNvSpPr/>
-      </dsp:nvSpPr>
-      <dsp:spPr>
-        <a:xfrm>
-          <a:off x="4119918" y="310305"/>
-          <a:ext cx="1818562" cy="1818562"/>
-        </a:xfrm>
-        <a:prstGeom prst="ellipse">
-          <a:avLst/>
-        </a:prstGeom>
-        <a:solidFill>
-          <a:schemeClr val="accent3">
-            <a:hueOff val="0"/>
-            <a:satOff val="0"/>
-            <a:lumOff val="0"/>
-            <a:alphaOff val="0"/>
-          </a:schemeClr>
-        </a:solidFill>
-        <a:ln>
-          <a:noFill/>
-        </a:ln>
-        <a:effectLst/>
-      </dsp:spPr>
-      <dsp:style>
-        <a:lnRef idx="0">
-          <a:scrgbClr r="0" g="0" b="0"/>
-        </a:lnRef>
-        <a:fillRef idx="1">
-          <a:scrgbClr r="0" g="0" b="0"/>
-        </a:fillRef>
-        <a:effectRef idx="0">
-          <a:scrgbClr r="0" g="0" b="0"/>
-        </a:effectRef>
-        <a:fontRef idx="minor"/>
-      </dsp:style>
-    </dsp:sp>
-    <dsp:sp modelId="{DB4CA7C4-FCA1-4127-B20A-2A5C031A3CF4}">
-      <dsp:nvSpPr>
-        <dsp:cNvPr id="0" name=""/>
-        <dsp:cNvSpPr/>
-      </dsp:nvSpPr>
-      <dsp:spPr>
-        <a:xfrm>
-          <a:off x="4507481" y="697868"/>
-          <a:ext cx="1043437" cy="1043437"/>
-        </a:xfrm>
-        <a:prstGeom prst="rect">
-          <a:avLst/>
-        </a:prstGeom>
-        <a:blipFill>
-          <a:blip xmlns:r="http://schemas.openxmlformats.org/officeDocument/2006/relationships" r:embed="rId3">
-            <a:extLst>
-              <a:ext uri="{28A0092B-C50C-407E-A947-70E740481C1C}">
-                <a14:useLocalDpi xmlns:a14="http://schemas.microsoft.com/office/drawing/2010/main" val="0"/>
-              </a:ext>
-              <a:ext uri="{96DAC541-7B7A-43D3-8B79-37D633B846F1}">
-                <asvg:svgBlip xmlns:asvg="http://schemas.microsoft.com/office/drawing/2016/SVG/main" r:embed="rId4"/>
-              </a:ext>
-            </a:extLst>
-          </a:blip>
-          <a:srcRect/>
-          <a:stretch>
-            <a:fillRect/>
-          </a:stretch>
-        </a:blipFill>
-        <a:ln w="12700" cap="flat" cmpd="sng" algn="ctr">
-          <a:noFill/>
-          <a:prstDash val="solid"/>
-        </a:ln>
-        <a:effectLst/>
-      </dsp:spPr>
-      <dsp:style>
-        <a:lnRef idx="2">
-          <a:scrgbClr r="0" g="0" b="0"/>
-        </a:lnRef>
-        <a:fillRef idx="1">
-          <a:scrgbClr r="0" g="0" b="0"/>
-        </a:fillRef>
-        <a:effectRef idx="0">
-          <a:scrgbClr r="0" g="0" b="0"/>
-        </a:effectRef>
-        <a:fontRef idx="minor">
-          <a:schemeClr val="lt1"/>
-        </a:fontRef>
-      </dsp:style>
-    </dsp:sp>
-    <dsp:sp modelId="{7E6FE37A-5DB0-4899-9FCB-0CE39BC185F8}">
-      <dsp:nvSpPr>
-        <dsp:cNvPr id="0" name=""/>
-        <dsp:cNvSpPr/>
-      </dsp:nvSpPr>
-      <dsp:spPr>
-        <a:xfrm>
-          <a:off x="3538574" y="2695306"/>
-          <a:ext cx="2981250" cy="720000"/>
-        </a:xfrm>
-        <a:prstGeom prst="rect">
-          <a:avLst/>
-        </a:prstGeom>
-        <a:noFill/>
-        <a:ln>
-          <a:noFill/>
-        </a:ln>
-        <a:effectLst/>
-      </dsp:spPr>
-      <dsp:style>
-        <a:lnRef idx="0">
-          <a:scrgbClr r="0" g="0" b="0"/>
-        </a:lnRef>
-        <a:fillRef idx="0">
-          <a:scrgbClr r="0" g="0" b="0"/>
-        </a:fillRef>
-        <a:effectRef idx="0">
-          <a:scrgbClr r="0" g="0" b="0"/>
-        </a:effectRef>
-        <a:fontRef idx="minor"/>
-      </dsp:style>
-      <dsp:txBody>
-        <a:bodyPr spcFirstLastPara="0" vert="horz" wrap="square" lIns="0" tIns="0" rIns="0" bIns="0" numCol="1" spcCol="1270" rtlCol="1" anchor="t" anchorCtr="0">
-          <a:noAutofit/>
-        </a:bodyPr>
-        <a:lstStyle/>
-        <a:p>
-          <a:pPr marL="0" lvl="0" indent="0" algn="ctr" defTabSz="666750" rtl="1">
-            <a:lnSpc>
-              <a:spcPct val="100000"/>
-            </a:lnSpc>
-            <a:spcBef>
-              <a:spcPct val="0"/>
-            </a:spcBef>
-            <a:spcAft>
-              <a:spcPct val="35000"/>
-            </a:spcAft>
-            <a:buNone/>
-            <a:defRPr cap="all"/>
-          </a:pPr>
-          <a:r>
-            <a:rPr lang="he" sz="1500" kern="1200" dirty="0">
-              <a:latin typeface="Tahoma" panose="020B0604030504040204" pitchFamily="34" charset="0"/>
-              <a:ea typeface="Tahoma" panose="020B0604030504040204" pitchFamily="34" charset="0"/>
-              <a:cs typeface="Tahoma" panose="020B0604030504040204" pitchFamily="34" charset="0"/>
-            </a:rPr>
-            <a:t>Nunc viverra imperdiet enim. Fusce est. Vivamus a tellus.</a:t>
-          </a:r>
-        </a:p>
-      </dsp:txBody>
-      <dsp:txXfrm>
-        <a:off x="3538574" y="2695306"/>
-        <a:ext cx="2981250" cy="720000"/>
-      </dsp:txXfrm>
-    </dsp:sp>
-    <dsp:sp modelId="{FF93E135-77D6-48A0-8871-9BC93D705D06}">
-      <dsp:nvSpPr>
-        <dsp:cNvPr id="0" name=""/>
-        <dsp:cNvSpPr/>
-      </dsp:nvSpPr>
-      <dsp:spPr>
-        <a:xfrm>
-          <a:off x="616949" y="310305"/>
-          <a:ext cx="1818562" cy="1818562"/>
-        </a:xfrm>
-        <a:prstGeom prst="ellipse">
-          <a:avLst/>
-        </a:prstGeom>
-        <a:solidFill>
-          <a:schemeClr val="accent4">
-            <a:hueOff val="0"/>
-            <a:satOff val="0"/>
-            <a:lumOff val="0"/>
-            <a:alphaOff val="0"/>
-          </a:schemeClr>
-        </a:solidFill>
-        <a:ln>
-          <a:noFill/>
-        </a:ln>
-        <a:effectLst/>
-      </dsp:spPr>
-      <dsp:style>
-        <a:lnRef idx="0">
-          <a:scrgbClr r="0" g="0" b="0"/>
-        </a:lnRef>
-        <a:fillRef idx="1">
-          <a:scrgbClr r="0" g="0" b="0"/>
-        </a:fillRef>
-        <a:effectRef idx="0">
-          <a:scrgbClr r="0" g="0" b="0"/>
-        </a:effectRef>
-        <a:fontRef idx="minor"/>
-      </dsp:style>
-    </dsp:sp>
-    <dsp:sp modelId="{39509775-983E-4110-B989-EE2CD6514BE0}">
-      <dsp:nvSpPr>
-        <dsp:cNvPr id="0" name=""/>
-        <dsp:cNvSpPr/>
-      </dsp:nvSpPr>
-      <dsp:spPr>
-        <a:xfrm>
-          <a:off x="1004512" y="697868"/>
-          <a:ext cx="1043437" cy="1043437"/>
-        </a:xfrm>
-        <a:prstGeom prst="rect">
-          <a:avLst/>
-        </a:prstGeom>
-        <a:blipFill>
-          <a:blip xmlns:r="http://schemas.openxmlformats.org/officeDocument/2006/relationships" r:embed="rId5">
-            <a:extLst>
-              <a:ext uri="{28A0092B-C50C-407E-A947-70E740481C1C}">
-                <a14:useLocalDpi xmlns:a14="http://schemas.microsoft.com/office/drawing/2010/main" val="0"/>
-              </a:ext>
-              <a:ext uri="{96DAC541-7B7A-43D3-8B79-37D633B846F1}">
-                <asvg:svgBlip xmlns:asvg="http://schemas.microsoft.com/office/drawing/2016/SVG/main" r:embed="rId6"/>
-              </a:ext>
-            </a:extLst>
-          </a:blip>
-          <a:srcRect/>
-          <a:stretch>
-            <a:fillRect/>
-          </a:stretch>
-        </a:blipFill>
-        <a:ln w="12700" cap="flat" cmpd="sng" algn="ctr">
-          <a:noFill/>
-          <a:prstDash val="solid"/>
-        </a:ln>
-        <a:effectLst/>
-      </dsp:spPr>
-      <dsp:style>
-        <a:lnRef idx="2">
-          <a:scrgbClr r="0" g="0" b="0"/>
-        </a:lnRef>
-        <a:fillRef idx="1">
-          <a:scrgbClr r="0" g="0" b="0"/>
-        </a:fillRef>
-        <a:effectRef idx="0">
-          <a:scrgbClr r="0" g="0" b="0"/>
-        </a:effectRef>
-        <a:fontRef idx="minor">
-          <a:schemeClr val="lt1"/>
-        </a:fontRef>
-      </dsp:style>
-    </dsp:sp>
-    <dsp:sp modelId="{1AEDC777-00B3-41D7-9AE1-23D741E941C3}">
-      <dsp:nvSpPr>
-        <dsp:cNvPr id="0" name=""/>
-        <dsp:cNvSpPr/>
-      </dsp:nvSpPr>
-      <dsp:spPr>
-        <a:xfrm>
-          <a:off x="35606" y="2695306"/>
-          <a:ext cx="2981250" cy="720000"/>
-        </a:xfrm>
-        <a:prstGeom prst="rect">
-          <a:avLst/>
-        </a:prstGeom>
-        <a:noFill/>
-        <a:ln>
-          <a:noFill/>
-        </a:ln>
-        <a:effectLst/>
-      </dsp:spPr>
-      <dsp:style>
-        <a:lnRef idx="0">
-          <a:scrgbClr r="0" g="0" b="0"/>
-        </a:lnRef>
-        <a:fillRef idx="0">
-          <a:scrgbClr r="0" g="0" b="0"/>
-        </a:fillRef>
-        <a:effectRef idx="0">
-          <a:scrgbClr r="0" g="0" b="0"/>
-        </a:effectRef>
-        <a:fontRef idx="minor"/>
-      </dsp:style>
-      <dsp:txBody>
-        <a:bodyPr spcFirstLastPara="0" vert="horz" wrap="square" lIns="0" tIns="0" rIns="0" bIns="0" numCol="1" spcCol="1270" rtlCol="1" anchor="t" anchorCtr="0">
-          <a:noAutofit/>
-        </a:bodyPr>
-        <a:lstStyle/>
-        <a:p>
-          <a:pPr marL="0" lvl="0" indent="0" algn="ctr" defTabSz="666750" rtl="1">
-            <a:lnSpc>
-              <a:spcPct val="100000"/>
-            </a:lnSpc>
-            <a:spcBef>
-              <a:spcPct val="0"/>
-            </a:spcBef>
-            <a:spcAft>
-              <a:spcPct val="35000"/>
-            </a:spcAft>
-            <a:buNone/>
-            <a:defRPr cap="all"/>
-          </a:pPr>
-          <a:r>
-            <a:rPr lang="he" sz="1500" kern="1200" dirty="0">
-              <a:latin typeface="Tahoma" panose="020B0604030504040204" pitchFamily="34" charset="0"/>
-              <a:ea typeface="Tahoma" panose="020B0604030504040204" pitchFamily="34" charset="0"/>
-              <a:cs typeface="Tahoma" panose="020B0604030504040204" pitchFamily="34" charset="0"/>
-            </a:rPr>
-            <a:t>Pellentesque habitant morbi tristique senectus et netus.</a:t>
-          </a:r>
-        </a:p>
-      </dsp:txBody>
-      <dsp:txXfrm>
-        <a:off x="35606" y="2695306"/>
-        <a:ext cx="2981250" cy="720000"/>
-      </dsp:txXfrm>
-    </dsp:sp>
   </dsp:spTree>
 </dsp:drawing>
 </file>
@@ -2086,7 +1656,7 @@
   </dgm:layoutNode>
   <dgm:extLst>
     <a:ext uri="{68A01E43-0DF5-4B5B-8FA6-DAF915123BFB}">
-      <dgm1612:lstStyle xmlns:dgm1612="http://schemas.microsoft.com/office/drawing/2016/12/diagram">
+      <dgm1612:lstStyle xmlns:dgm1612="http://schemas.microsoft.com/office/drawing/2016/12/diagram" xmlns="">
         <a:lvl1pPr algn="r" rtl="1">
           <a:lnSpc>
             <a:spcPct val="100000"/>
@@ -3217,7 +2787,7 @@
             <a:pPr algn="l" rtl="1"/>
             <a:fld id="{A19057D7-29C8-4098-AA5A-D5B5080A0273}" type="datetime1">
               <a:rPr lang="he-IL" smtClean="0"/>
-              <a:t>ל'/כסלו/תשפ"ב</a:t>
+              <a:t>ג'/טבת/תשפ"ב</a:t>
             </a:fld>
             <a:endParaRPr lang="en-US" dirty="0"/>
           </a:p>
@@ -3388,7 +2958,7 @@
             <a:pPr rtl="1"/>
             <a:fld id="{487BAAEE-F7BD-4A16-8518-0FD93306B6A0}" type="datetime1">
               <a:rPr lang="he-IL" smtClean="0"/>
-              <a:t>ל'/כסלו/תשפ"ב</a:t>
+              <a:t>ג'/טבת/תשפ"ב</a:t>
             </a:fld>
             <a:endParaRPr lang="en-US"/>
           </a:p>
@@ -3682,7 +3252,7 @@
           <p:cNvPr id="5" name="מלבן 4">
             <a:extLst>
               <a:ext uri="{FF2B5EF4-FFF2-40B4-BE49-F238E27FC236}">
-                <a16:creationId xmlns:a16="http://schemas.microsoft.com/office/drawing/2014/main" id="{904DB13E-F722-4ED6-BB00-556651E95281}"/>
+                <a16:creationId xmlns:a16="http://schemas.microsoft.com/office/drawing/2014/main" xmlns="" id="{904DB13E-F722-4ED6-BB00-556651E95281}"/>
               </a:ext>
             </a:extLst>
           </p:cNvPr>
@@ -3855,7 +3425,7 @@
           <p:cNvPr id="7" name="קבוצה 6">
             <a:extLst>
               <a:ext uri="{FF2B5EF4-FFF2-40B4-BE49-F238E27FC236}">
-                <a16:creationId xmlns:a16="http://schemas.microsoft.com/office/drawing/2014/main" id="{E26428D7-C6F3-473D-A360-A3F5C3E8728C}"/>
+                <a16:creationId xmlns:a16="http://schemas.microsoft.com/office/drawing/2014/main" xmlns="" id="{E26428D7-C6F3-473D-A360-A3F5C3E8728C}"/>
               </a:ext>
             </a:extLst>
           </p:cNvPr>
@@ -4156,7 +3726,7 @@
             <a:pPr rtl="1"/>
             <a:fld id="{BF7160C1-15A3-436B-BE8D-A4D9E0EAAE91}" type="datetime1">
               <a:rPr lang="he-IL" smtClean="0"/>
-              <a:t>ל'/כסלו/תשפ"ב</a:t>
+              <a:t>ג'/טבת/תשפ"ב</a:t>
             </a:fld>
             <a:endParaRPr lang="en-US" dirty="0"/>
           </a:p>
@@ -4402,7 +3972,7 @@
             <a:pPr rtl="1"/>
             <a:fld id="{9E18CD11-5483-4186-9C9D-D99E7FE92433}" type="datetime1">
               <a:rPr lang="he-IL" smtClean="0"/>
-              <a:t>ל'/כסלו/תשפ"ב</a:t>
+              <a:t>ג'/טבת/תשפ"ב</a:t>
             </a:fld>
             <a:endParaRPr lang="en-US"/>
           </a:p>
@@ -4634,7 +4204,7 @@
             <a:pPr rtl="1"/>
             <a:fld id="{8128C7A3-6078-4E1D-A45D-7F8EB763EDD3}" type="datetime1">
               <a:rPr lang="he-IL" smtClean="0"/>
-              <a:t>ל'/כסלו/תשפ"ב</a:t>
+              <a:t>ג'/טבת/תשפ"ב</a:t>
             </a:fld>
             <a:endParaRPr lang="en-US"/>
           </a:p>
@@ -4866,7 +4436,7 @@
             <a:pPr rtl="1"/>
             <a:fld id="{B2AC4221-72F6-45F6-B2F2-4BE5E859C5B9}" type="datetime1">
               <a:rPr lang="he-IL" smtClean="0"/>
-              <a:t>ל'/כסלו/תשפ"ב</a:t>
+              <a:t>ג'/טבת/תשפ"ב</a:t>
             </a:fld>
             <a:endParaRPr lang="en-US"/>
           </a:p>
@@ -4970,7 +4540,7 @@
           <p:cNvPr id="15" name="מלבן 14">
             <a:extLst>
               <a:ext uri="{FF2B5EF4-FFF2-40B4-BE49-F238E27FC236}">
-                <a16:creationId xmlns:a16="http://schemas.microsoft.com/office/drawing/2014/main" id="{0A4A1889-E37C-4EC3-9E41-9DAD221CF389}"/>
+                <a16:creationId xmlns:a16="http://schemas.microsoft.com/office/drawing/2014/main" xmlns="" id="{0A4A1889-E37C-4EC3-9E41-9DAD221CF389}"/>
               </a:ext>
             </a:extLst>
           </p:cNvPr>
@@ -5192,7 +4762,7 @@
           <p:cNvPr id="16" name="קבוצה 15">
             <a:extLst>
               <a:ext uri="{FF2B5EF4-FFF2-40B4-BE49-F238E27FC236}">
-                <a16:creationId xmlns:a16="http://schemas.microsoft.com/office/drawing/2014/main" id="{1683EB04-C23E-490C-A1A6-030CF79D23C8}"/>
+                <a16:creationId xmlns:a16="http://schemas.microsoft.com/office/drawing/2014/main" xmlns="" id="{1683EB04-C23E-490C-A1A6-030CF79D23C8}"/>
               </a:ext>
             </a:extLst>
           </p:cNvPr>
@@ -5212,7 +4782,7 @@
             <p:cNvPr id="17" name="מחבר ישר 16">
               <a:extLst>
                 <a:ext uri="{FF2B5EF4-FFF2-40B4-BE49-F238E27FC236}">
-                  <a16:creationId xmlns:a16="http://schemas.microsoft.com/office/drawing/2014/main" id="{F8A84C03-E1CA-4A4E-81D6-9BB0C335B7A0}"/>
+                  <a16:creationId xmlns:a16="http://schemas.microsoft.com/office/drawing/2014/main" xmlns="" id="{F8A84C03-E1CA-4A4E-81D6-9BB0C335B7A0}"/>
                 </a:ext>
               </a:extLst>
             </p:cNvPr>
@@ -5260,7 +4830,7 @@
             <p:cNvPr id="18" name="מחבר ישר 17">
               <a:extLst>
                 <a:ext uri="{FF2B5EF4-FFF2-40B4-BE49-F238E27FC236}">
-                  <a16:creationId xmlns:a16="http://schemas.microsoft.com/office/drawing/2014/main" id="{4A26FB5A-D5D1-4DAB-AC43-7F51A7F2D197}"/>
+                  <a16:creationId xmlns:a16="http://schemas.microsoft.com/office/drawing/2014/main" xmlns="" id="{4A26FB5A-D5D1-4DAB-AC43-7F51A7F2D197}"/>
                 </a:ext>
               </a:extLst>
             </p:cNvPr>
@@ -5308,7 +4878,7 @@
             <p:cNvPr id="19" name="מחבר ישר 18">
               <a:extLst>
                 <a:ext uri="{FF2B5EF4-FFF2-40B4-BE49-F238E27FC236}">
-                  <a16:creationId xmlns:a16="http://schemas.microsoft.com/office/drawing/2014/main" id="{49303F14-E560-4C02-94F4-B4695FE26813}"/>
+                  <a16:creationId xmlns:a16="http://schemas.microsoft.com/office/drawing/2014/main" xmlns="" id="{49303F14-E560-4C02-94F4-B4695FE26813}"/>
                 </a:ext>
               </a:extLst>
             </p:cNvPr>
@@ -5512,7 +5082,7 @@
             <a:pPr rtl="1"/>
             <a:fld id="{7E798AAF-4D28-4EAA-AAA2-0B0D10BF921A}" type="datetime1">
               <a:rPr lang="he-IL" smtClean="0"/>
-              <a:t>ל'/כסלו/תשפ"ב</a:t>
+              <a:t>ג'/טבת/תשפ"ב</a:t>
             </a:fld>
             <a:endParaRPr lang="en-US" dirty="0"/>
           </a:p>
@@ -5871,7 +5441,7 @@
             <a:pPr rtl="1"/>
             <a:fld id="{4F86298B-D689-4B54-8E0F-6FF70DC91813}" type="datetime1">
               <a:rPr lang="he-IL" smtClean="0"/>
-              <a:t>ל'/כסלו/תשפ"ב</a:t>
+              <a:t>ג'/טבת/תשפ"ב</a:t>
             </a:fld>
             <a:endParaRPr lang="en-US"/>
           </a:p>
@@ -6363,7 +5933,7 @@
             <a:pPr rtl="1"/>
             <a:fld id="{73807155-A311-4510-8D30-D78E6A05356E}" type="datetime1">
               <a:rPr lang="he-IL" smtClean="0"/>
-              <a:t>ל'/כסלו/תשפ"ב</a:t>
+              <a:t>ג'/טבת/תשפ"ב</a:t>
             </a:fld>
             <a:endParaRPr lang="en-US"/>
           </a:p>
@@ -6522,7 +6092,7 @@
             <a:pPr rtl="1"/>
             <a:fld id="{BC61730B-C49D-4774-8B68-B748FEA5604F}" type="datetime1">
               <a:rPr lang="he-IL" smtClean="0"/>
-              <a:t>ל'/כסלו/תשפ"ב</a:t>
+              <a:t>ג'/טבת/תשפ"ב</a:t>
             </a:fld>
             <a:endParaRPr lang="en-US"/>
           </a:p>
@@ -6648,7 +6218,7 @@
             <a:pPr rtl="1"/>
             <a:fld id="{5DD4575C-2D90-4767-8FC9-62CC2DF9AD34}" type="datetime1">
               <a:rPr lang="he-IL" smtClean="0"/>
-              <a:t>ל'/כסלו/תשפ"ב</a:t>
+              <a:t>ג'/טבת/תשפ"ב</a:t>
             </a:fld>
             <a:endParaRPr lang="en-US"/>
           </a:p>
@@ -6752,7 +6322,7 @@
           <p:cNvPr id="10" name="מלבן 9">
             <a:extLst>
               <a:ext uri="{FF2B5EF4-FFF2-40B4-BE49-F238E27FC236}">
-                <a16:creationId xmlns:a16="http://schemas.microsoft.com/office/drawing/2014/main" id="{D5E1BBF9-8BEF-4353-BA68-30AAF9EBD8D8}"/>
+                <a16:creationId xmlns:a16="http://schemas.microsoft.com/office/drawing/2014/main" xmlns="" id="{D5E1BBF9-8BEF-4353-BA68-30AAF9EBD8D8}"/>
               </a:ext>
             </a:extLst>
           </p:cNvPr>
@@ -6807,7 +6377,7 @@
           <p:cNvPr id="13" name="מלבן 12">
             <a:extLst>
               <a:ext uri="{FF2B5EF4-FFF2-40B4-BE49-F238E27FC236}">
-                <a16:creationId xmlns:a16="http://schemas.microsoft.com/office/drawing/2014/main" id="{5B941C21-2A5D-4912-AB06-1BB0C0EB6AE1}"/>
+                <a16:creationId xmlns:a16="http://schemas.microsoft.com/office/drawing/2014/main" xmlns="" id="{5B941C21-2A5D-4912-AB06-1BB0C0EB6AE1}"/>
               </a:ext>
             </a:extLst>
           </p:cNvPr>
@@ -7104,7 +6674,7 @@
             <a:pPr rtl="1"/>
             <a:fld id="{A177B91D-4277-4997-971F-08A00B31D816}" type="datetime1">
               <a:rPr lang="he-IL" smtClean="0"/>
-              <a:t>ל'/כסלו/תשפ"ב</a:t>
+              <a:t>ג'/טבת/תשפ"ב</a:t>
             </a:fld>
             <a:endParaRPr lang="en-US"/>
           </a:p>
@@ -7215,7 +6785,7 @@
           <p:cNvPr id="11" name="מלבן 10">
             <a:extLst>
               <a:ext uri="{FF2B5EF4-FFF2-40B4-BE49-F238E27FC236}">
-                <a16:creationId xmlns:a16="http://schemas.microsoft.com/office/drawing/2014/main" id="{E687CA98-D9C7-497F-A1DA-7D22F8753BCE}"/>
+                <a16:creationId xmlns:a16="http://schemas.microsoft.com/office/drawing/2014/main" xmlns="" id="{E687CA98-D9C7-497F-A1DA-7D22F8753BCE}"/>
               </a:ext>
             </a:extLst>
           </p:cNvPr>
@@ -7378,7 +6948,7 @@
             <a:pPr rtl="1"/>
             <a:fld id="{C5447206-BEB7-4694-8BE2-489006A54066}" type="datetime1">
               <a:rPr lang="he-IL" smtClean="0"/>
-              <a:t>ל'/כסלו/תשפ"ב</a:t>
+              <a:t>ג'/טבת/תשפ"ב</a:t>
             </a:fld>
             <a:endParaRPr lang="en-US" dirty="0"/>
           </a:p>
@@ -7466,7 +7036,7 @@
           <p:cNvPr id="12" name="מלבן 11">
             <a:extLst>
               <a:ext uri="{FF2B5EF4-FFF2-40B4-BE49-F238E27FC236}">
-                <a16:creationId xmlns:a16="http://schemas.microsoft.com/office/drawing/2014/main" id="{F8B3D8CC-BB13-41A5-8F34-B8E84A4F9534}"/>
+                <a16:creationId xmlns:a16="http://schemas.microsoft.com/office/drawing/2014/main" xmlns="" id="{F8B3D8CC-BB13-41A5-8F34-B8E84A4F9534}"/>
               </a:ext>
             </a:extLst>
           </p:cNvPr>
@@ -7677,7 +7247,7 @@
           <p:cNvPr id="9" name="מלבן 8">
             <a:extLst>
               <a:ext uri="{FF2B5EF4-FFF2-40B4-BE49-F238E27FC236}">
-                <a16:creationId xmlns:a16="http://schemas.microsoft.com/office/drawing/2014/main" id="{1E94681D-2A4C-4A8D-B9B5-31D440D0328D}"/>
+                <a16:creationId xmlns:a16="http://schemas.microsoft.com/office/drawing/2014/main" xmlns="" id="{1E94681D-2A4C-4A8D-B9B5-31D440D0328D}"/>
               </a:ext>
             </a:extLst>
           </p:cNvPr>
@@ -7917,7 +7487,7 @@
           <a:p>
             <a:fld id="{F7F10649-3B66-4FAF-A227-F0AA5C25BF42}" type="datetime1">
               <a:rPr lang="he-IL" smtClean="0"/>
-              <a:t>ל'/כסלו/תשפ"ב</a:t>
+              <a:t>ג'/טבת/תשפ"ב</a:t>
             </a:fld>
             <a:endParaRPr lang="en-US" dirty="0"/>
           </a:p>
@@ -8406,7 +7976,7 @@
           <p:cNvPr id="6" name="תמונה 5" descr="תקריב של סמל&#10;&#10;תיאור נוצר באופן אוטומטי">
             <a:extLst>
               <a:ext uri="{FF2B5EF4-FFF2-40B4-BE49-F238E27FC236}">
-                <a16:creationId xmlns:a16="http://schemas.microsoft.com/office/drawing/2014/main" id="{8045422F-7258-40AC-BD2E-2469AA448922}"/>
+                <a16:creationId xmlns:a16="http://schemas.microsoft.com/office/drawing/2014/main" xmlns="" id="{8045422F-7258-40AC-BD2E-2469AA448922}"/>
               </a:ext>
             </a:extLst>
           </p:cNvPr>
@@ -8441,10 +8011,10 @@
           <p:cNvPr id="82" name="מלבן 81">
             <a:extLst>
               <a:ext uri="{FF2B5EF4-FFF2-40B4-BE49-F238E27FC236}">
-                <a16:creationId xmlns:a16="http://schemas.microsoft.com/office/drawing/2014/main" id="{2644B391-9BFE-445C-A9EC-F544BB85FBC7}"/>
+                <a16:creationId xmlns:a16="http://schemas.microsoft.com/office/drawing/2014/main" xmlns="" id="{2644B391-9BFE-445C-A9EC-F544BB85FBC7}"/>
               </a:ext>
               <a:ext uri="{C183D7F6-B498-43B3-948B-1728B52AA6E4}">
-                <adec:decorative xmlns:adec="http://schemas.microsoft.com/office/drawing/2017/decorative" val="1"/>
+                <adec:decorative xmlns:adec="http://schemas.microsoft.com/office/drawing/2017/decorative" xmlns="" val="1"/>
               </a:ext>
             </a:extLst>
           </p:cNvPr>
@@ -8454,7 +8024,7 @@
           <p:nvPr>
             <p:extLst>
               <p:ext uri="{386F3935-93C4-4BCD-93E2-E3B085C9AB24}">
-                <p16:designElem xmlns:p16="http://schemas.microsoft.com/office/powerpoint/2015/main" val="1"/>
+                <p16:designElem xmlns:p16="http://schemas.microsoft.com/office/powerpoint/2015/main" xmlns="" val="1"/>
               </p:ext>
             </p:extLst>
           </p:nvPr>
@@ -8498,10 +8068,10 @@
           <p:cNvPr id="84" name="מלבן 83">
             <a:extLst>
               <a:ext uri="{FF2B5EF4-FFF2-40B4-BE49-F238E27FC236}">
-                <a16:creationId xmlns:a16="http://schemas.microsoft.com/office/drawing/2014/main" id="{80F26E69-87D9-4655-AE7B-280A87AA3CAD}"/>
+                <a16:creationId xmlns:a16="http://schemas.microsoft.com/office/drawing/2014/main" xmlns="" id="{80F26E69-87D9-4655-AE7B-280A87AA3CAD}"/>
               </a:ext>
               <a:ext uri="{C183D7F6-B498-43B3-948B-1728B52AA6E4}">
-                <adec:decorative xmlns:adec="http://schemas.microsoft.com/office/drawing/2017/decorative" val="1"/>
+                <adec:decorative xmlns:adec="http://schemas.microsoft.com/office/drawing/2017/decorative" xmlns="" val="1"/>
               </a:ext>
             </a:extLst>
           </p:cNvPr>
@@ -8511,7 +8081,7 @@
           <p:nvPr>
             <p:extLst>
               <p:ext uri="{386F3935-93C4-4BCD-93E2-E3B085C9AB24}">
-                <p16:designElem xmlns:p16="http://schemas.microsoft.com/office/powerpoint/2015/main" val="1"/>
+                <p16:designElem xmlns:p16="http://schemas.microsoft.com/office/powerpoint/2015/main" xmlns="" val="1"/>
               </p:ext>
             </p:extLst>
           </p:nvPr>
@@ -8554,7 +8124,7 @@
           <p:cNvPr id="2" name="כותרת 1">
             <a:extLst>
               <a:ext uri="{FF2B5EF4-FFF2-40B4-BE49-F238E27FC236}">
-                <a16:creationId xmlns:a16="http://schemas.microsoft.com/office/drawing/2014/main" id="{18C3B467-088C-4F3D-A9A7-105C4E1E20CD}"/>
+                <a16:creationId xmlns:a16="http://schemas.microsoft.com/office/drawing/2014/main" xmlns="" id="{18C3B467-088C-4F3D-A9A7-105C4E1E20CD}"/>
               </a:ext>
             </a:extLst>
           </p:cNvPr>
@@ -8626,7 +8196,7 @@
           <p:cNvPr id="3" name="כותרת משנה 2">
             <a:extLst>
               <a:ext uri="{FF2B5EF4-FFF2-40B4-BE49-F238E27FC236}">
-                <a16:creationId xmlns:a16="http://schemas.microsoft.com/office/drawing/2014/main" id="{C8722DDC-8EEE-4A06-8DFE-B44871EAA2CF}"/>
+                <a16:creationId xmlns:a16="http://schemas.microsoft.com/office/drawing/2014/main" xmlns="" id="{C8722DDC-8EEE-4A06-8DFE-B44871EAA2CF}"/>
               </a:ext>
             </a:extLst>
           </p:cNvPr>
@@ -8719,7 +8289,7 @@
           <p:cNvPr id="2" name="כותרת 1">
             <a:extLst>
               <a:ext uri="{FF2B5EF4-FFF2-40B4-BE49-F238E27FC236}">
-                <a16:creationId xmlns:a16="http://schemas.microsoft.com/office/drawing/2014/main" id="{7A4919D0-F177-4BBA-9A0B-DBA69E2ED764}"/>
+                <a16:creationId xmlns:a16="http://schemas.microsoft.com/office/drawing/2014/main" xmlns="" id="{7A4919D0-F177-4BBA-9A0B-DBA69E2ED764}"/>
               </a:ext>
             </a:extLst>
           </p:cNvPr>
@@ -8759,7 +8329,7 @@
           <p:cNvPr id="5" name="מציין מיקום תוכן 2">
             <a:extLst>
               <a:ext uri="{FF2B5EF4-FFF2-40B4-BE49-F238E27FC236}">
-                <a16:creationId xmlns:a16="http://schemas.microsoft.com/office/drawing/2014/main" id="{91DB1382-7276-49FA-9632-38D558F457E3}"/>
+                <a16:creationId xmlns:a16="http://schemas.microsoft.com/office/drawing/2014/main" xmlns="" id="{91DB1382-7276-49FA-9632-38D558F457E3}"/>
               </a:ext>
             </a:extLst>
           </p:cNvPr>
@@ -8795,6 +8365,14 @@
   <p:clrMapOvr>
     <a:masterClrMapping/>
   </p:clrMapOvr>
+  <mc:AlternateContent xmlns:mc="http://schemas.openxmlformats.org/markup-compatibility/2006">
+    <mc:Choice xmlns:p14="http://schemas.microsoft.com/office/powerpoint/2010/main" Requires="p14">
+      <p:transition spd="slow" p14:dur="2000"/>
+    </mc:Choice>
+    <mc:Fallback>
+      <p:transition spd="slow"/>
+    </mc:Fallback>
+  </mc:AlternateContent>
 </p:sld>
 </file>
 
@@ -8820,7 +8398,7 @@
           <p:cNvPr id="4" name="מציין מיקום של תאריך 3">
             <a:extLst>
               <a:ext uri="{FF2B5EF4-FFF2-40B4-BE49-F238E27FC236}">
-                <a16:creationId xmlns:a16="http://schemas.microsoft.com/office/drawing/2014/main" id="{71045F75-63F8-4C57-AB04-D029E5E61F83}"/>
+                <a16:creationId xmlns:a16="http://schemas.microsoft.com/office/drawing/2014/main" xmlns="" id="{71045F75-63F8-4C57-AB04-D029E5E61F83}"/>
               </a:ext>
             </a:extLst>
           </p:cNvPr>
@@ -8839,7 +8417,7 @@
             <a:pPr rtl="1"/>
             <a:fld id="{B2AC4221-72F6-45F6-B2F2-4BE5E859C5B9}" type="datetime1">
               <a:rPr lang="he-IL" smtClean="0"/>
-              <a:t>ל'/כסלו/תשפ"ב</a:t>
+              <a:t>ג'/טבת/תשפ"ב</a:t>
             </a:fld>
             <a:endParaRPr lang="en-US"/>
           </a:p>
@@ -8850,7 +8428,7 @@
           <p:cNvPr id="5" name="כותרת 4">
             <a:extLst>
               <a:ext uri="{FF2B5EF4-FFF2-40B4-BE49-F238E27FC236}">
-                <a16:creationId xmlns:a16="http://schemas.microsoft.com/office/drawing/2014/main" id="{38E7BD5F-BFE3-4E42-AEF7-CC79EE006037}"/>
+                <a16:creationId xmlns:a16="http://schemas.microsoft.com/office/drawing/2014/main" xmlns="" id="{38E7BD5F-BFE3-4E42-AEF7-CC79EE006037}"/>
               </a:ext>
             </a:extLst>
           </p:cNvPr>
@@ -8889,7 +8467,7 @@
           <p:cNvPr id="7" name="מציין מיקום טקסט 6">
             <a:extLst>
               <a:ext uri="{FF2B5EF4-FFF2-40B4-BE49-F238E27FC236}">
-                <a16:creationId xmlns:a16="http://schemas.microsoft.com/office/drawing/2014/main" id="{083A5D6F-F4BC-4105-9D2A-B1F32F7F2A9D}"/>
+                <a16:creationId xmlns:a16="http://schemas.microsoft.com/office/drawing/2014/main" xmlns="" id="{083A5D6F-F4BC-4105-9D2A-B1F32F7F2A9D}"/>
               </a:ext>
             </a:extLst>
           </p:cNvPr>
@@ -9062,7 +8640,7 @@
           <p:cNvPr id="11" name="מציין מיקום של תמונה 10">
             <a:extLst>
               <a:ext uri="{FF2B5EF4-FFF2-40B4-BE49-F238E27FC236}">
-                <a16:creationId xmlns:a16="http://schemas.microsoft.com/office/drawing/2014/main" id="{045B3FE0-9649-42D5-888F-FB6DB475BFB9}"/>
+                <a16:creationId xmlns:a16="http://schemas.microsoft.com/office/drawing/2014/main" xmlns="" id="{045B3FE0-9649-42D5-888F-FB6DB475BFB9}"/>
               </a:ext>
             </a:extLst>
           </p:cNvPr>
@@ -9080,7 +8658,7 @@
           <p:cNvPr id="1028" name="Picture 4" descr="Reversi - Wikipedia">
             <a:extLst>
               <a:ext uri="{FF2B5EF4-FFF2-40B4-BE49-F238E27FC236}">
-                <a16:creationId xmlns:a16="http://schemas.microsoft.com/office/drawing/2014/main" id="{E22D800C-FE49-45AB-9D49-AA6EE8E38916}"/>
+                <a16:creationId xmlns:a16="http://schemas.microsoft.com/office/drawing/2014/main" xmlns="" id="{E22D800C-FE49-45AB-9D49-AA6EE8E38916}"/>
               </a:ext>
             </a:extLst>
           </p:cNvPr>
@@ -9132,6 +8710,13 @@
   <p:clrMapOvr>
     <a:masterClrMapping/>
   </p:clrMapOvr>
+  <p:timing>
+    <p:tnLst>
+      <p:par>
+        <p:cTn id="1" dur="indefinite" restart="never" nodeType="tmRoot"/>
+      </p:par>
+    </p:tnLst>
+  </p:timing>
 </p:sld>
 </file>
 
@@ -9157,7 +8742,7 @@
           <p:cNvPr id="9" name="מציין מיקום של תמונה 8">
             <a:extLst>
               <a:ext uri="{FF2B5EF4-FFF2-40B4-BE49-F238E27FC236}">
-                <a16:creationId xmlns:a16="http://schemas.microsoft.com/office/drawing/2014/main" id="{232EC460-6F25-457D-A703-03A24C49954F}"/>
+                <a16:creationId xmlns:a16="http://schemas.microsoft.com/office/drawing/2014/main" xmlns="" id="{232EC460-6F25-457D-A703-03A24C49954F}"/>
               </a:ext>
             </a:extLst>
           </p:cNvPr>
@@ -9169,7 +8754,7 @@
           </p:nvPr>
         </p:nvPicPr>
         <p:blipFill rotWithShape="1">
-          <a:blip r:embed="rId2"/>
+          <a:blip r:embed="rId4"/>
           <a:srcRect t="4575" b="4575"/>
           <a:stretch/>
         </p:blipFill>
@@ -9185,7 +8770,7 @@
           <p:cNvPr id="5" name="כותרת 4">
             <a:extLst>
               <a:ext uri="{FF2B5EF4-FFF2-40B4-BE49-F238E27FC236}">
-                <a16:creationId xmlns:a16="http://schemas.microsoft.com/office/drawing/2014/main" id="{38E7BD5F-BFE3-4E42-AEF7-CC79EE006037}"/>
+                <a16:creationId xmlns:a16="http://schemas.microsoft.com/office/drawing/2014/main" xmlns="" id="{38E7BD5F-BFE3-4E42-AEF7-CC79EE006037}"/>
               </a:ext>
             </a:extLst>
           </p:cNvPr>
@@ -9224,7 +8809,7 @@
           <p:cNvPr id="7" name="מציין מיקום טקסט 6">
             <a:extLst>
               <a:ext uri="{FF2B5EF4-FFF2-40B4-BE49-F238E27FC236}">
-                <a16:creationId xmlns:a16="http://schemas.microsoft.com/office/drawing/2014/main" id="{083A5D6F-F4BC-4105-9D2A-B1F32F7F2A9D}"/>
+                <a16:creationId xmlns:a16="http://schemas.microsoft.com/office/drawing/2014/main" xmlns="" id="{083A5D6F-F4BC-4105-9D2A-B1F32F7F2A9D}"/>
               </a:ext>
             </a:extLst>
           </p:cNvPr>
@@ -9323,6 +8908,39 @@
           </a:p>
         </p:txBody>
       </p:sp>
+      <p:pic>
+        <p:nvPicPr>
+          <p:cNvPr id="2" name="טו-אוב">
+            <a:hlinkClick r:id="" action="ppaction://media"/>
+          </p:cNvPr>
+          <p:cNvPicPr>
+            <a:picLocks noChangeAspect="1"/>
+          </p:cNvPicPr>
+          <p:nvPr>
+            <a:audioFile r:link="rId2"/>
+            <p:extLst>
+              <p:ext uri="{DAA4B4D4-6D71-4841-9C94-3DE7FCFB9230}">
+                <p14:media xmlns:p14="http://schemas.microsoft.com/office/powerpoint/2010/main" r:embed="rId1"/>
+              </p:ext>
+            </p:extLst>
+          </p:nvPr>
+        </p:nvPicPr>
+        <p:blipFill>
+          <a:blip r:embed="rId5"/>
+          <a:stretch>
+            <a:fillRect/>
+          </a:stretch>
+        </p:blipFill>
+        <p:spPr>
+          <a:xfrm>
+            <a:off x="3254062" y="4553755"/>
+            <a:ext cx="609600" cy="609600"/>
+          </a:xfrm>
+          <a:prstGeom prst="rect">
+            <a:avLst/>
+          </a:prstGeom>
+        </p:spPr>
+      </p:pic>
     </p:spTree>
     <p:extLst>
       <p:ext uri="{BB962C8B-B14F-4D97-AF65-F5344CB8AC3E}">
@@ -9333,6 +8951,93 @@
   <p:clrMapOvr>
     <a:masterClrMapping/>
   </p:clrMapOvr>
+  <p:timing>
+    <p:tnLst>
+      <p:par>
+        <p:cTn id="1" dur="indefinite" restart="never" nodeType="tmRoot">
+          <p:childTnLst>
+            <p:seq concurrent="1" nextAc="seek">
+              <p:cTn id="2" restart="whenNotActive" fill="hold" evtFilter="cancelBubble" nodeType="interactiveSeq">
+                <p:stCondLst>
+                  <p:cond evt="onClick" delay="0">
+                    <p:tgtEl>
+                      <p:spTgt spid="2"/>
+                    </p:tgtEl>
+                  </p:cond>
+                </p:stCondLst>
+                <p:endSync evt="end" delay="0">
+                  <p:rtn val="all"/>
+                </p:endSync>
+                <p:childTnLst>
+                  <p:par>
+                    <p:cTn id="3" fill="hold">
+                      <p:stCondLst>
+                        <p:cond delay="0"/>
+                      </p:stCondLst>
+                      <p:childTnLst>
+                        <p:par>
+                          <p:cTn id="4" fill="hold">
+                            <p:stCondLst>
+                              <p:cond delay="0"/>
+                            </p:stCondLst>
+                            <p:childTnLst>
+                              <p:par>
+                                <p:cTn id="5" presetID="1" presetClass="mediacall" presetSubtype="0" fill="hold" nodeType="clickEffect">
+                                  <p:stCondLst>
+                                    <p:cond delay="0"/>
+                                  </p:stCondLst>
+                                  <p:childTnLst>
+                                    <p:cmd type="call" cmd="playFrom(0.0)">
+                                      <p:cBhvr>
+                                        <p:cTn id="6" dur="2037" fill="hold"/>
+                                        <p:tgtEl>
+                                          <p:spTgt spid="2"/>
+                                        </p:tgtEl>
+                                      </p:cBhvr>
+                                    </p:cmd>
+                                  </p:childTnLst>
+                                </p:cTn>
+                              </p:par>
+                            </p:childTnLst>
+                          </p:cTn>
+                        </p:par>
+                      </p:childTnLst>
+                    </p:cTn>
+                  </p:par>
+                </p:childTnLst>
+              </p:cTn>
+              <p:nextCondLst>
+                <p:cond evt="onClick" delay="0">
+                  <p:tgtEl>
+                    <p:spTgt spid="2"/>
+                  </p:tgtEl>
+                </p:cond>
+              </p:nextCondLst>
+            </p:seq>
+            <p:audio>
+              <p:cMediaNode vol="100000">
+                <p:cTn id="7" fill="hold" display="0">
+                  <p:stCondLst>
+                    <p:cond delay="indefinite"/>
+                  </p:stCondLst>
+                  <p:endCondLst>
+                    <p:cond evt="onStopAudio" delay="0">
+                      <p:tgtEl>
+                        <p:sldTgt/>
+                      </p:tgtEl>
+                    </p:cond>
+                  </p:endCondLst>
+                </p:cTn>
+                <p:tgtEl>
+                  <p:spTgt spid="2"/>
+                </p:tgtEl>
+              </p:cMediaNode>
+            </p:audio>
+          </p:childTnLst>
+        </p:cTn>
+      </p:par>
+    </p:tnLst>
+  </p:timing>
 </p:sld>
 </file>
 
@@ -9358,7 +9063,7 @@
           <p:cNvPr id="7" name="מציין מיקום של תמונה 6">
             <a:extLst>
               <a:ext uri="{FF2B5EF4-FFF2-40B4-BE49-F238E27FC236}">
-                <a16:creationId xmlns:a16="http://schemas.microsoft.com/office/drawing/2014/main" id="{D5F4F2FB-6810-4194-8740-411E518FAAD5}"/>
+                <a16:creationId xmlns:a16="http://schemas.microsoft.com/office/drawing/2014/main" xmlns="" id="{D5F4F2FB-6810-4194-8740-411E518FAAD5}"/>
               </a:ext>
             </a:extLst>
           </p:cNvPr>
@@ -9386,7 +9091,7 @@
           <p:cNvPr id="4" name="כותרת 3">
             <a:extLst>
               <a:ext uri="{FF2B5EF4-FFF2-40B4-BE49-F238E27FC236}">
-                <a16:creationId xmlns:a16="http://schemas.microsoft.com/office/drawing/2014/main" id="{DCE9CECE-AA33-403E-BE84-4DE8FCBD52B4}"/>
+                <a16:creationId xmlns:a16="http://schemas.microsoft.com/office/drawing/2014/main" xmlns="" id="{DCE9CECE-AA33-403E-BE84-4DE8FCBD52B4}"/>
               </a:ext>
             </a:extLst>
           </p:cNvPr>
@@ -9421,7 +9126,7 @@
           <p:cNvPr id="5" name="מציין מיקום טקסט 4">
             <a:extLst>
               <a:ext uri="{FF2B5EF4-FFF2-40B4-BE49-F238E27FC236}">
-                <a16:creationId xmlns:a16="http://schemas.microsoft.com/office/drawing/2014/main" id="{9E5E8150-8FB7-4B09-BC11-0C2CC2D257BB}"/>
+                <a16:creationId xmlns:a16="http://schemas.microsoft.com/office/drawing/2014/main" xmlns="" id="{9E5E8150-8FB7-4B09-BC11-0C2CC2D257BB}"/>
               </a:ext>
             </a:extLst>
           </p:cNvPr>
@@ -9544,6 +9249,13 @@
   <p:clrMapOvr>
     <a:masterClrMapping/>
   </p:clrMapOvr>
+  <p:timing>
+    <p:tnLst>
+      <p:par>
+        <p:cTn id="1" dur="indefinite" restart="never" nodeType="tmRoot"/>
+      </p:par>
+    </p:tnLst>
+  </p:timing>
 </p:sld>
 </file>
 
@@ -9569,7 +9281,7 @@
           <p:cNvPr id="6" name="כותרת 5">
             <a:extLst>
               <a:ext uri="{FF2B5EF4-FFF2-40B4-BE49-F238E27FC236}">
-                <a16:creationId xmlns:a16="http://schemas.microsoft.com/office/drawing/2014/main" id="{42364C5C-9BAF-4F03-B75D-4440AB2F694E}"/>
+                <a16:creationId xmlns:a16="http://schemas.microsoft.com/office/drawing/2014/main" xmlns="" id="{42364C5C-9BAF-4F03-B75D-4440AB2F694E}"/>
               </a:ext>
             </a:extLst>
           </p:cNvPr>
@@ -9598,7 +9310,7 @@
           <p:cNvPr id="7" name="מציין מיקום טקסט 6">
             <a:extLst>
               <a:ext uri="{FF2B5EF4-FFF2-40B4-BE49-F238E27FC236}">
-                <a16:creationId xmlns:a16="http://schemas.microsoft.com/office/drawing/2014/main" id="{390FAD1D-685B-4323-BBF0-FC8FF76FD0BD}"/>
+                <a16:creationId xmlns:a16="http://schemas.microsoft.com/office/drawing/2014/main" xmlns="" id="{390FAD1D-685B-4323-BBF0-FC8FF76FD0BD}"/>
               </a:ext>
             </a:extLst>
           </p:cNvPr>
@@ -9623,7 +9335,7 @@
           <p:cNvPr id="3" name="מציין מיקום של תאריך 2">
             <a:extLst>
               <a:ext uri="{FF2B5EF4-FFF2-40B4-BE49-F238E27FC236}">
-                <a16:creationId xmlns:a16="http://schemas.microsoft.com/office/drawing/2014/main" id="{318F4260-1C28-4015-9605-8DFC2EC434EC}"/>
+                <a16:creationId xmlns:a16="http://schemas.microsoft.com/office/drawing/2014/main" xmlns="" id="{318F4260-1C28-4015-9605-8DFC2EC434EC}"/>
               </a:ext>
             </a:extLst>
           </p:cNvPr>
